--- a/Slides/2025/2025-3-NorthAmerica-Europe.pptx
+++ b/Slides/2025/2025-3-NorthAmerica-Europe.pptx
@@ -6546,7 +6546,7 @@
             </a:pPr>
             <a:r>
               <a:rPr lang="en-US" dirty="0"/>
-              <a:t>North America and Europe - 2025-04-12</a:t>
+              <a:t>North America and Europe - 2025-03-12</a:t>
             </a:r>
             <a:endParaRPr dirty="0"/>
           </a:p>
